--- a/docs/presentation/Slides.pptx
+++ b/docs/presentation/Slides.pptx
@@ -315,7 +315,7 @@
           <a:p>
             <a:fld id="{82E701E8-CE5A-4584-BA4F-11BD2743631B}" type="datetimeFigureOut">
               <a:rPr lang="en-US" smtClean="0"/>
-              <a:t>7/31/2024</a:t>
+              <a:t>8/1/2024</a:t>
             </a:fld>
             <a:endParaRPr lang="en-US"/>
           </a:p>
@@ -492,7 +492,7 @@
           <a:p>
             <a:fld id="{F3B65CB4-5FB7-4DA8-86ED-A966B9DB3CA6}" type="datetimeFigureOut">
               <a:rPr lang="en-US" noProof="0" smtClean="0"/>
-              <a:t>7/31/2024</a:t>
+              <a:t>8/1/2024</a:t>
             </a:fld>
             <a:endParaRPr lang="en-US" noProof="0"/>
           </a:p>
@@ -2652,7 +2652,7 @@
           <a:p>
             <a:fld id="{E4847BA0-DE75-41C4-9773-F0566992DBC0}" type="datetimeFigureOut">
               <a:rPr lang="en-US" smtClean="0"/>
-              <a:t>7/31/2024</a:t>
+              <a:t>8/1/2024</a:t>
             </a:fld>
             <a:endParaRPr lang="en-US"/>
           </a:p>
@@ -2774,7 +2774,7 @@
           <a:p>
             <a:fld id="{E4847BA0-DE75-41C4-9773-F0566992DBC0}" type="datetimeFigureOut">
               <a:rPr lang="en-US" smtClean="0"/>
-              <a:t>7/31/2024</a:t>
+              <a:t>8/1/2024</a:t>
             </a:fld>
             <a:endParaRPr lang="en-US"/>
           </a:p>
@@ -2870,7 +2870,7 @@
           <a:p>
             <a:fld id="{E4847BA0-DE75-41C4-9773-F0566992DBC0}" type="datetimeFigureOut">
               <a:rPr lang="en-US" smtClean="0"/>
-              <a:t>7/31/2024</a:t>
+              <a:t>8/1/2024</a:t>
             </a:fld>
             <a:endParaRPr lang="en-US"/>
           </a:p>
@@ -3146,7 +3146,7 @@
           <a:p>
             <a:fld id="{E4847BA0-DE75-41C4-9773-F0566992DBC0}" type="datetimeFigureOut">
               <a:rPr lang="en-US" smtClean="0"/>
-              <a:t>7/31/2024</a:t>
+              <a:t>8/1/2024</a:t>
             </a:fld>
             <a:endParaRPr lang="en-US"/>
           </a:p>
@@ -3402,7 +3402,7 @@
           <a:p>
             <a:fld id="{E4847BA0-DE75-41C4-9773-F0566992DBC0}" type="datetimeFigureOut">
               <a:rPr lang="en-US" smtClean="0"/>
-              <a:t>7/31/2024</a:t>
+              <a:t>8/1/2024</a:t>
             </a:fld>
             <a:endParaRPr lang="en-US"/>
           </a:p>
@@ -3571,7 +3571,7 @@
           <a:p>
             <a:fld id="{E4847BA0-DE75-41C4-9773-F0566992DBC0}" type="datetimeFigureOut">
               <a:rPr lang="en-US" smtClean="0"/>
-              <a:t>7/31/2024</a:t>
+              <a:t>8/1/2024</a:t>
             </a:fld>
             <a:endParaRPr lang="en-US"/>
           </a:p>
@@ -3750,7 +3750,7 @@
           <a:p>
             <a:fld id="{E4847BA0-DE75-41C4-9773-F0566992DBC0}" type="datetimeFigureOut">
               <a:rPr lang="en-US" smtClean="0"/>
-              <a:t>7/31/2024</a:t>
+              <a:t>8/1/2024</a:t>
             </a:fld>
             <a:endParaRPr lang="en-US"/>
           </a:p>
@@ -3941,7 +3941,7 @@
           <a:p>
             <a:fld id="{E4847BA0-DE75-41C4-9773-F0566992DBC0}" type="datetimeFigureOut">
               <a:rPr lang="en-US" smtClean="0"/>
-              <a:t>7/31/2024</a:t>
+              <a:t>8/1/2024</a:t>
             </a:fld>
             <a:endParaRPr lang="en-US"/>
           </a:p>
@@ -4151,7 +4151,7 @@
           <a:p>
             <a:fld id="{E4847BA0-DE75-41C4-9773-F0566992DBC0}" type="datetimeFigureOut">
               <a:rPr lang="en-US" smtClean="0"/>
-              <a:t>7/31/2024</a:t>
+              <a:t>8/1/2024</a:t>
             </a:fld>
             <a:endParaRPr lang="en-US"/>
           </a:p>
@@ -4546,7 +4546,7 @@
           <a:p>
             <a:fld id="{E4847BA0-DE75-41C4-9773-F0566992DBC0}" type="datetimeFigureOut">
               <a:rPr lang="en-US" smtClean="0"/>
-              <a:t>7/31/2024</a:t>
+              <a:t>8/1/2024</a:t>
             </a:fld>
             <a:endParaRPr lang="en-US"/>
           </a:p>
@@ -4723,7 +4723,7 @@
           <a:p>
             <a:fld id="{E4847BA0-DE75-41C4-9773-F0566992DBC0}" type="datetimeFigureOut">
               <a:rPr lang="en-US" smtClean="0"/>
-              <a:t>7/31/2024</a:t>
+              <a:t>8/1/2024</a:t>
             </a:fld>
             <a:endParaRPr lang="en-US"/>
           </a:p>
@@ -4982,7 +4982,7 @@
           <a:p>
             <a:fld id="{E4847BA0-DE75-41C4-9773-F0566992DBC0}" type="datetimeFigureOut">
               <a:rPr lang="en-US" smtClean="0"/>
-              <a:t>7/31/2024</a:t>
+              <a:t>8/1/2024</a:t>
             </a:fld>
             <a:endParaRPr lang="en-US"/>
           </a:p>
@@ -8754,7 +8754,7 @@
           <a:p>
             <a:fld id="{E4847BA0-DE75-41C4-9773-F0566992DBC0}" type="datetimeFigureOut">
               <a:rPr lang="en-US" smtClean="0"/>
-              <a:t>7/31/2024</a:t>
+              <a:t>8/1/2024</a:t>
             </a:fld>
             <a:endParaRPr lang="en-US"/>
           </a:p>
@@ -9119,7 +9119,7 @@
           <a:p>
             <a:fld id="{E4847BA0-DE75-41C4-9773-F0566992DBC0}" type="datetimeFigureOut">
               <a:rPr lang="en-US" smtClean="0"/>
-              <a:t>7/31/2024</a:t>
+              <a:t>8/1/2024</a:t>
             </a:fld>
             <a:endParaRPr lang="en-US"/>
           </a:p>
@@ -9241,7 +9241,7 @@
           <a:p>
             <a:fld id="{E4847BA0-DE75-41C4-9773-F0566992DBC0}" type="datetimeFigureOut">
               <a:rPr lang="en-US" smtClean="0"/>
-              <a:t>7/31/2024</a:t>
+              <a:t>8/1/2024</a:t>
             </a:fld>
             <a:endParaRPr lang="en-US"/>
           </a:p>
@@ -9337,7 +9337,7 @@
           <a:p>
             <a:fld id="{E4847BA0-DE75-41C4-9773-F0566992DBC0}" type="datetimeFigureOut">
               <a:rPr lang="en-US" smtClean="0"/>
-              <a:t>7/31/2024</a:t>
+              <a:t>8/1/2024</a:t>
             </a:fld>
             <a:endParaRPr lang="en-US"/>
           </a:p>
@@ -9613,7 +9613,7 @@
           <a:p>
             <a:fld id="{E4847BA0-DE75-41C4-9773-F0566992DBC0}" type="datetimeFigureOut">
               <a:rPr lang="en-US" smtClean="0"/>
-              <a:t>7/31/2024</a:t>
+              <a:t>8/1/2024</a:t>
             </a:fld>
             <a:endParaRPr lang="en-US"/>
           </a:p>
@@ -9869,7 +9869,7 @@
           <a:p>
             <a:fld id="{E4847BA0-DE75-41C4-9773-F0566992DBC0}" type="datetimeFigureOut">
               <a:rPr lang="en-US" smtClean="0"/>
-              <a:t>7/31/2024</a:t>
+              <a:t>8/1/2024</a:t>
             </a:fld>
             <a:endParaRPr lang="en-US"/>
           </a:p>
@@ -10038,7 +10038,7 @@
           <a:p>
             <a:fld id="{E4847BA0-DE75-41C4-9773-F0566992DBC0}" type="datetimeFigureOut">
               <a:rPr lang="en-US" smtClean="0"/>
-              <a:t>7/31/2024</a:t>
+              <a:t>8/1/2024</a:t>
             </a:fld>
             <a:endParaRPr lang="en-US"/>
           </a:p>
@@ -10168,7 +10168,7 @@
           <a:p>
             <a:fld id="{E4847BA0-DE75-41C4-9773-F0566992DBC0}" type="datetimeFigureOut">
               <a:rPr lang="en-US" smtClean="0"/>
-              <a:t>7/31/2024</a:t>
+              <a:t>8/1/2024</a:t>
             </a:fld>
             <a:endParaRPr lang="en-US"/>
           </a:p>
@@ -10395,7 +10395,7 @@
           <a:p>
             <a:fld id="{E4847BA0-DE75-41C4-9773-F0566992DBC0}" type="datetimeFigureOut">
               <a:rPr lang="en-US" smtClean="0"/>
-              <a:t>7/31/2024</a:t>
+              <a:t>8/1/2024</a:t>
             </a:fld>
             <a:endParaRPr lang="en-US"/>
           </a:p>
@@ -10524,7 +10524,7 @@
           <a:p>
             <a:fld id="{E4847BA0-DE75-41C4-9773-F0566992DBC0}" type="datetimeFigureOut">
               <a:rPr lang="en-US" smtClean="0"/>
-              <a:t>7/31/2024</a:t>
+              <a:t>8/1/2024</a:t>
             </a:fld>
             <a:endParaRPr lang="en-US"/>
           </a:p>
@@ -14075,7 +14075,7 @@
           <a:p>
             <a:fld id="{E4847BA0-DE75-41C4-9773-F0566992DBC0}" type="datetimeFigureOut">
               <a:rPr lang="en-US" smtClean="0"/>
-              <a:t>7/31/2024</a:t>
+              <a:t>8/1/2024</a:t>
             </a:fld>
             <a:endParaRPr lang="en-US"/>
           </a:p>
@@ -14440,7 +14440,7 @@
           <a:p>
             <a:fld id="{E4847BA0-DE75-41C4-9773-F0566992DBC0}" type="datetimeFigureOut">
               <a:rPr lang="en-US" smtClean="0"/>
-              <a:t>7/31/2024</a:t>
+              <a:t>8/1/2024</a:t>
             </a:fld>
             <a:endParaRPr lang="en-US"/>
           </a:p>
@@ -14652,7 +14652,7 @@
           <a:p>
             <a:fld id="{E4847BA0-DE75-41C4-9773-F0566992DBC0}" type="datetimeFigureOut">
               <a:rPr lang="en-US" smtClean="0"/>
-              <a:t>7/31/2024</a:t>
+              <a:t>8/1/2024</a:t>
             </a:fld>
             <a:endParaRPr lang="en-US"/>
           </a:p>
@@ -15195,7 +15195,7 @@
           <a:p>
             <a:fld id="{E4847BA0-DE75-41C4-9773-F0566992DBC0}" type="datetimeFigureOut">
               <a:rPr lang="en-US" smtClean="0"/>
-              <a:t>7/31/2024</a:t>
+              <a:t>8/1/2024</a:t>
             </a:fld>
             <a:endParaRPr lang="en-US"/>
           </a:p>
@@ -24938,72 +24938,8 @@
                   <a:t> (</a:t>
                 </a:r>
                 <a:r>
-                  <a:rPr lang="en-US" dirty="0" err="1"/>
-                  <a:t>hoặc</a:t>
-                </a:r>
-                <a:r>
-                  <a:rPr lang="en-US" dirty="0"/>
-                  <a:t> 	</a:t>
-                </a:r>
-                <a:r>
-                  <a:rPr lang="en-US" dirty="0" err="1"/>
-                  <a:t>mối</a:t>
-                </a:r>
-                <a:r>
-                  <a:rPr lang="en-US" dirty="0"/>
-                  <a:t> </a:t>
-                </a:r>
-                <a:r>
-                  <a:rPr lang="en-US" dirty="0" err="1"/>
-                  <a:t>quan</a:t>
-                </a:r>
-                <a:r>
-                  <a:rPr lang="en-US" dirty="0"/>
-                  <a:t> </a:t>
-                </a:r>
-                <a:r>
-                  <a:rPr lang="en-US" dirty="0" err="1"/>
-                  <a:t>hệ</a:t>
-                </a:r>
-                <a:r>
-                  <a:rPr lang="en-US" dirty="0"/>
-                  <a:t> </a:t>
-                </a:r>
-                <a:r>
-                  <a:rPr lang="en-US" dirty="0" err="1"/>
-                  <a:t>giữa</a:t>
-                </a:r>
-                <a:r>
-                  <a:rPr lang="en-US" dirty="0"/>
-                  <a:t> </a:t>
-                </a:r>
-                <a:r>
-                  <a:rPr lang="en-US" dirty="0" err="1"/>
-                  <a:t>nhãn</a:t>
-                </a:r>
-                <a:r>
-                  <a:rPr lang="en-US" dirty="0"/>
-                  <a:t> </a:t>
-                </a:r>
-                <a:r>
-                  <a:rPr lang="en-US" dirty="0" err="1"/>
-                  <a:t>và</a:t>
-                </a:r>
-                <a:r>
-                  <a:rPr lang="en-US" dirty="0"/>
-                  <a:t> </a:t>
-                </a:r>
-                <a:r>
-                  <a:rPr lang="en-US" dirty="0" err="1"/>
-                  <a:t>thuộc</a:t>
-                </a:r>
-                <a:r>
-                  <a:rPr lang="en-US" dirty="0"/>
-                  <a:t> </a:t>
-                </a:r>
-                <a:r>
-                  <a:rPr lang="en-US" dirty="0" err="1"/>
-                  <a:t>tính</a:t>
+                  <a:rPr lang="vi-VN" dirty="0"/>
+                  <a:t>hoặc 	mối quan hệ giữa nhãn và thuộc tính</a:t>
                 </a:r>
                 <a:r>
                   <a:rPr lang="en-US" dirty="0"/>
@@ -45943,15 +45879,6 @@
 </file>
 
 <file path=customXml/item1.xml><?xml version="1.0" encoding="utf-8"?>
-<?mso-contentType ?>
-<FormTemplates xmlns="http://schemas.microsoft.com/sharepoint/v3/contenttype/forms">
-  <Display>DocumentLibraryForm</Display>
-  <Edit>DocumentLibraryForm</Edit>
-  <New>DocumentLibraryForm</New>
-</FormTemplates>
-</file>
-
-<file path=customXml/item2.xml><?xml version="1.0" encoding="utf-8"?>
 <p:properties xmlns:p="http://schemas.microsoft.com/office/2006/metadata/properties" xmlns:xsi="http://www.w3.org/2001/XMLSchema-instance" xmlns:pc="http://schemas.microsoft.com/office/infopath/2007/PartnerControls">
   <documentManagement>
     <MediaServiceKeyPoints xmlns="52612e00-a69f-4651-bd98-4e2516b81ace" xsi:nil="true"/>
@@ -45960,7 +45887,7 @@
 </p:properties>
 </file>
 
-<file path=customXml/item3.xml><?xml version="1.0" encoding="utf-8"?>
+<file path=customXml/item2.xml><?xml version="1.0" encoding="utf-8"?>
 <ct:contentTypeSchema xmlns:ct="http://schemas.microsoft.com/office/2006/metadata/contentType" xmlns:ma="http://schemas.microsoft.com/office/2006/metadata/properties/metaAttributes" ct:_="" ma:_="" ma:contentTypeName="Document" ma:contentTypeID="0x010100F4FC715D2BE87C40AFEFE71F1DA5CAEF" ma:contentTypeVersion="14" ma:contentTypeDescription="Create a new document." ma:contentTypeScope="" ma:versionID="120e880d4c78434a5d1081a128d4d4e2">
   <xsd:schema xmlns:xsd="http://www.w3.org/2001/XMLSchema" xmlns:xs="http://www.w3.org/2001/XMLSchema" xmlns:p="http://schemas.microsoft.com/office/2006/metadata/properties" xmlns:ns3="52612e00-a69f-4651-bd98-4e2516b81ace" targetNamespace="http://schemas.microsoft.com/office/2006/metadata/properties" ma:root="true" ma:fieldsID="60a478e7985886bce785197f3ad30e0c" ns3:_="">
     <xsd:import namespace="52612e00-a69f-4651-bd98-4e2516b81ace"/>
@@ -46168,15 +46095,16 @@
 </ct:contentTypeSchema>
 </file>
 
-<file path=customXml/itemProps1.xml><?xml version="1.0" encoding="utf-8"?>
-<ds:datastoreItem xmlns:ds="http://schemas.openxmlformats.org/officeDocument/2006/customXml" ds:itemID="{7DF357DA-6BE8-4DEE-91F8-0C61BB433C8B}">
-  <ds:schemaRefs>
-    <ds:schemaRef ds:uri="http://schemas.microsoft.com/sharepoint/v3/contenttype/forms"/>
-  </ds:schemaRefs>
-</ds:datastoreItem>
+<file path=customXml/item3.xml><?xml version="1.0" encoding="utf-8"?>
+<?mso-contentType ?>
+<FormTemplates xmlns="http://schemas.microsoft.com/sharepoint/v3/contenttype/forms">
+  <Display>DocumentLibraryForm</Display>
+  <Edit>DocumentLibraryForm</Edit>
+  <New>DocumentLibraryForm</New>
+</FormTemplates>
 </file>
 
-<file path=customXml/itemProps2.xml><?xml version="1.0" encoding="utf-8"?>
+<file path=customXml/itemProps1.xml><?xml version="1.0" encoding="utf-8"?>
 <ds:datastoreItem xmlns:ds="http://schemas.openxmlformats.org/officeDocument/2006/customXml" ds:itemID="{4BBCD2B3-5276-4F29-A1DF-94B367666038}">
   <ds:schemaRefs>
     <ds:schemaRef ds:uri="52612e00-a69f-4651-bd98-4e2516b81ace"/>
@@ -46192,7 +46120,7 @@
 </ds:datastoreItem>
 </file>
 
-<file path=customXml/itemProps3.xml><?xml version="1.0" encoding="utf-8"?>
+<file path=customXml/itemProps2.xml><?xml version="1.0" encoding="utf-8"?>
 <ds:datastoreItem xmlns:ds="http://schemas.openxmlformats.org/officeDocument/2006/customXml" ds:itemID="{6EAA4FBF-563F-4194-8717-9F0DC0C2EBA8}">
   <ds:schemaRefs>
     <ds:schemaRef ds:uri="52612e00-a69f-4651-bd98-4e2516b81ace"/>
@@ -46210,6 +46138,14 @@
 </ds:datastoreItem>
 </file>
 
+<file path=customXml/itemProps3.xml><?xml version="1.0" encoding="utf-8"?>
+<ds:datastoreItem xmlns:ds="http://schemas.openxmlformats.org/officeDocument/2006/customXml" ds:itemID="{7DF357DA-6BE8-4DEE-91F8-0C61BB433C8B}">
+  <ds:schemaRefs>
+    <ds:schemaRef ds:uri="http://schemas.microsoft.com/sharepoint/v3/contenttype/forms"/>
+  </ds:schemaRefs>
+</ds:datastoreItem>
+</file>
+
 <file path=docMetadata/LabelInfo.xml><?xml version="1.0" encoding="utf-8"?>
 <clbl:labelList xmlns:clbl="http://schemas.microsoft.com/office/2020/mipLabelMetadata"/>
 </file>